--- a/Interview Guide Template.pptx
+++ b/Interview Guide Template.pptx
@@ -113,6 +113,10 @@
 </p:presentation>
 </file>
 
+<file path=ppt/revisionInfo.xml><?xml version="1.0" encoding="utf-8"?>
+<p1510:revInfo xmlns:a="http://schemas.openxmlformats.org/drawingml/2006/main" xmlns:r="http://schemas.openxmlformats.org/officeDocument/2006/relationships" xmlns:p1510="http://schemas.microsoft.com/office/powerpoint/2015/10/main"/>
+</file>
+
 <file path=ppt/slideLayouts/slideLayout1.xml><?xml version="1.0" encoding="utf-8"?>
 <p:sldLayout xmlns:a="http://schemas.openxmlformats.org/drawingml/2006/main" xmlns:r="http://schemas.openxmlformats.org/officeDocument/2006/relationships" xmlns:p="http://schemas.openxmlformats.org/presentationml/2006/main" type="title" preserve="1">
   <p:cSld name="Title Slide">
@@ -244,7 +248,7 @@
           <a:p>
             <a:fld id="{CCBF2FC0-D212-4BF2-A139-CA75AA8D4FDC}" type="datetimeFigureOut">
               <a:rPr lang="en-AU" smtClean="0"/>
-              <a:t>18/3/18</a:t>
+              <a:t>24/03/2018</a:t>
             </a:fld>
             <a:endParaRPr lang="en-AU"/>
           </a:p>
@@ -414,7 +418,7 @@
           <a:p>
             <a:fld id="{CCBF2FC0-D212-4BF2-A139-CA75AA8D4FDC}" type="datetimeFigureOut">
               <a:rPr lang="en-AU" smtClean="0"/>
-              <a:t>18/3/18</a:t>
+              <a:t>24/03/2018</a:t>
             </a:fld>
             <a:endParaRPr lang="en-AU"/>
           </a:p>
@@ -594,7 +598,7 @@
           <a:p>
             <a:fld id="{CCBF2FC0-D212-4BF2-A139-CA75AA8D4FDC}" type="datetimeFigureOut">
               <a:rPr lang="en-AU" smtClean="0"/>
-              <a:t>18/3/18</a:t>
+              <a:t>24/03/2018</a:t>
             </a:fld>
             <a:endParaRPr lang="en-AU"/>
           </a:p>
@@ -764,7 +768,7 @@
           <a:p>
             <a:fld id="{CCBF2FC0-D212-4BF2-A139-CA75AA8D4FDC}" type="datetimeFigureOut">
               <a:rPr lang="en-AU" smtClean="0"/>
-              <a:t>18/3/18</a:t>
+              <a:t>24/03/2018</a:t>
             </a:fld>
             <a:endParaRPr lang="en-AU"/>
           </a:p>
@@ -1008,7 +1012,7 @@
           <a:p>
             <a:fld id="{CCBF2FC0-D212-4BF2-A139-CA75AA8D4FDC}" type="datetimeFigureOut">
               <a:rPr lang="en-AU" smtClean="0"/>
-              <a:t>18/3/18</a:t>
+              <a:t>24/03/2018</a:t>
             </a:fld>
             <a:endParaRPr lang="en-AU"/>
           </a:p>
@@ -1240,7 +1244,7 @@
           <a:p>
             <a:fld id="{CCBF2FC0-D212-4BF2-A139-CA75AA8D4FDC}" type="datetimeFigureOut">
               <a:rPr lang="en-AU" smtClean="0"/>
-              <a:t>18/3/18</a:t>
+              <a:t>24/03/2018</a:t>
             </a:fld>
             <a:endParaRPr lang="en-AU"/>
           </a:p>
@@ -1607,7 +1611,7 @@
           <a:p>
             <a:fld id="{CCBF2FC0-D212-4BF2-A139-CA75AA8D4FDC}" type="datetimeFigureOut">
               <a:rPr lang="en-AU" smtClean="0"/>
-              <a:t>18/3/18</a:t>
+              <a:t>24/03/2018</a:t>
             </a:fld>
             <a:endParaRPr lang="en-AU"/>
           </a:p>
@@ -1725,7 +1729,7 @@
           <a:p>
             <a:fld id="{CCBF2FC0-D212-4BF2-A139-CA75AA8D4FDC}" type="datetimeFigureOut">
               <a:rPr lang="en-AU" smtClean="0"/>
-              <a:t>18/3/18</a:t>
+              <a:t>24/03/2018</a:t>
             </a:fld>
             <a:endParaRPr lang="en-AU"/>
           </a:p>
@@ -1820,7 +1824,7 @@
           <a:p>
             <a:fld id="{CCBF2FC0-D212-4BF2-A139-CA75AA8D4FDC}" type="datetimeFigureOut">
               <a:rPr lang="en-AU" smtClean="0"/>
-              <a:t>18/3/18</a:t>
+              <a:t>24/03/2018</a:t>
             </a:fld>
             <a:endParaRPr lang="en-AU"/>
           </a:p>
@@ -2097,7 +2101,7 @@
           <a:p>
             <a:fld id="{CCBF2FC0-D212-4BF2-A139-CA75AA8D4FDC}" type="datetimeFigureOut">
               <a:rPr lang="en-AU" smtClean="0"/>
-              <a:t>18/3/18</a:t>
+              <a:t>24/03/2018</a:t>
             </a:fld>
             <a:endParaRPr lang="en-AU"/>
           </a:p>
@@ -2354,7 +2358,7 @@
           <a:p>
             <a:fld id="{CCBF2FC0-D212-4BF2-A139-CA75AA8D4FDC}" type="datetimeFigureOut">
               <a:rPr lang="en-AU" smtClean="0"/>
-              <a:t>18/3/18</a:t>
+              <a:t>24/03/2018</a:t>
             </a:fld>
             <a:endParaRPr lang="en-AU"/>
           </a:p>
@@ -2567,7 +2571,7 @@
           <a:p>
             <a:fld id="{CCBF2FC0-D212-4BF2-A139-CA75AA8D4FDC}" type="datetimeFigureOut">
               <a:rPr lang="en-AU" smtClean="0"/>
-              <a:t>18/3/18</a:t>
+              <a:t>24/03/2018</a:t>
             </a:fld>
             <a:endParaRPr lang="en-AU"/>
           </a:p>
@@ -2977,7 +2981,7 @@
           <p:cNvPr id="4" name="TextBox 3">
             <a:extLst>
               <a:ext uri="{FF2B5EF4-FFF2-40B4-BE49-F238E27FC236}">
-                <a16:creationId xmlns:a16="http://schemas.microsoft.com/office/drawing/2014/main" xmlns="" id="{E456F1FD-121E-4217-B971-1019BC385D25}"/>
+                <a16:creationId xmlns:a16="http://schemas.microsoft.com/office/drawing/2014/main" id="{E456F1FD-121E-4217-B971-1019BC385D25}"/>
               </a:ext>
             </a:extLst>
           </p:cNvPr>
@@ -3014,7 +3018,7 @@
           <p:cNvPr id="14" name="Arrow: Pentagon 13">
             <a:extLst>
               <a:ext uri="{FF2B5EF4-FFF2-40B4-BE49-F238E27FC236}">
-                <a16:creationId xmlns:a16="http://schemas.microsoft.com/office/drawing/2014/main" xmlns="" id="{54C693CA-3FED-46A7-9DF6-5E09688EB7C6}"/>
+                <a16:creationId xmlns:a16="http://schemas.microsoft.com/office/drawing/2014/main" id="{54C693CA-3FED-46A7-9DF6-5E09688EB7C6}"/>
               </a:ext>
             </a:extLst>
           </p:cNvPr>
@@ -3073,7 +3077,7 @@
           <p:cNvPr id="16" name="Table 15">
             <a:extLst>
               <a:ext uri="{FF2B5EF4-FFF2-40B4-BE49-F238E27FC236}">
-                <a16:creationId xmlns:a16="http://schemas.microsoft.com/office/drawing/2014/main" xmlns="" id="{144D6F60-5DBA-46A2-9647-4009C1779DF4}"/>
+                <a16:creationId xmlns:a16="http://schemas.microsoft.com/office/drawing/2014/main" id="{144D6F60-5DBA-46A2-9647-4009C1779DF4}"/>
               </a:ext>
             </a:extLst>
           </p:cNvPr>
@@ -3102,14 +3106,14 @@
                 <a:gridCol w="4905324">
                   <a:extLst>
                     <a:ext uri="{9D8B030D-6E8A-4147-A177-3AD203B41FA5}">
-                      <a16:colId xmlns:a16="http://schemas.microsoft.com/office/drawing/2014/main" xmlns="" val="2678813997"/>
+                      <a16:colId xmlns:a16="http://schemas.microsoft.com/office/drawing/2014/main" val="2678813997"/>
                     </a:ext>
                   </a:extLst>
                 </a:gridCol>
                 <a:gridCol w="4905324">
                   <a:extLst>
                     <a:ext uri="{9D8B030D-6E8A-4147-A177-3AD203B41FA5}">
-                      <a16:colId xmlns:a16="http://schemas.microsoft.com/office/drawing/2014/main" xmlns="" val="3302795323"/>
+                      <a16:colId xmlns:a16="http://schemas.microsoft.com/office/drawing/2014/main" val="3302795323"/>
                     </a:ext>
                   </a:extLst>
                 </a:gridCol>
@@ -3175,7 +3179,7 @@
                         <a:defRPr/>
                       </a:pPr>
                       <a:r>
-                        <a:rPr lang="en-GB" altLang="zh-CN" sz="1800" kern="1200" dirty="0" smtClean="0">
+                        <a:rPr lang="en-GB" altLang="zh-CN" sz="1800" kern="1200" dirty="0">
                           <a:solidFill>
                             <a:schemeClr val="tx1"/>
                           </a:solidFill>
@@ -3187,7 +3191,7 @@
                         <a:t>We’re focusing on the </a:t>
                       </a:r>
                       <a:r>
-                        <a:rPr lang="en-GB" altLang="zh-CN" sz="1800" kern="1200" dirty="0" err="1" smtClean="0">
+                        <a:rPr lang="en-GB" altLang="zh-CN" sz="1800" kern="1200" dirty="0" err="1">
                           <a:solidFill>
                             <a:schemeClr val="tx1"/>
                           </a:solidFill>
@@ -3199,7 +3203,7 @@
                         <a:t>reimagination</a:t>
                       </a:r>
                       <a:r>
-                        <a:rPr lang="en-GB" altLang="zh-CN" sz="1800" kern="1200" dirty="0" smtClean="0">
+                        <a:rPr lang="en-GB" altLang="zh-CN" sz="1800" kern="1200" dirty="0">
                           <a:solidFill>
                             <a:schemeClr val="tx1"/>
                           </a:solidFill>
@@ -3211,12 +3215,12 @@
                         <a:t> of the end-of-life experience for ourselves or our loved ones. People whose beloved ones passed away are involved because they are the shareholders for this project. The reason why we need to conduct this interview is that we want to understand their opinions and suggestions on the online grieving website.</a:t>
                       </a:r>
                       <a:r>
-                        <a:rPr lang="zh-CN" altLang="zh-CN" sz="1800" dirty="0" smtClean="0">
+                        <a:rPr lang="zh-CN" altLang="zh-CN" sz="1800" dirty="0">
                           <a:effectLst/>
                         </a:rPr>
                         <a:t> </a:t>
                       </a:r>
-                      <a:endParaRPr lang="en-US" sz="1800" dirty="0" smtClean="0">
+                      <a:endParaRPr lang="en-US" sz="1800" dirty="0">
                         <a:latin typeface="Museo Sans 100" panose="02000000000000000000" pitchFamily="50" charset="0"/>
                       </a:endParaRPr>
                     </a:p>
@@ -3230,7 +3234,7 @@
                 </a:tc>
                 <a:extLst>
                   <a:ext uri="{0D108BD9-81ED-4DB2-BD59-A6C34878D82A}">
-                    <a16:rowId xmlns:a16="http://schemas.microsoft.com/office/drawing/2014/main" xmlns="" val="3324974316"/>
+                    <a16:rowId xmlns:a16="http://schemas.microsoft.com/office/drawing/2014/main" val="3324974316"/>
                   </a:ext>
                 </a:extLst>
               </a:tr>
@@ -3269,7 +3273,7 @@
                     <a:lstStyle/>
                     <a:p>
                       <a:r>
-                        <a:rPr lang="en-GB" altLang="zh-CN" sz="1800" kern="1200" dirty="0" smtClean="0">
+                        <a:rPr lang="en-GB" altLang="zh-CN" sz="1800" kern="1200" dirty="0">
                           <a:solidFill>
                             <a:schemeClr val="tx1"/>
                           </a:solidFill>
@@ -3280,7 +3284,7 @@
                         </a:rPr>
                         <a:t>The desired outcome of this interview is that we can decide on a blueprint of the website where its contents are suitable. We would like to validate that this website can help those whose beloved one passed away alleviate their sadness and reimagine the end-of-life experience.  In addition, we would like to learn the additional features they desire and the proper way to implement it without causing unwanted troubles.</a:t>
                       </a:r>
-                      <a:endParaRPr lang="zh-CN" altLang="zh-CN" sz="1800" kern="1200" dirty="0" smtClean="0">
+                      <a:endParaRPr lang="zh-CN" altLang="zh-CN" sz="1800" kern="1200" dirty="0">
                         <a:solidFill>
                           <a:schemeClr val="tx1"/>
                         </a:solidFill>
@@ -3300,7 +3304,7 @@
                 </a:tc>
                 <a:extLst>
                   <a:ext uri="{0D108BD9-81ED-4DB2-BD59-A6C34878D82A}">
-                    <a16:rowId xmlns:a16="http://schemas.microsoft.com/office/drawing/2014/main" xmlns="" val="1510577784"/>
+                    <a16:rowId xmlns:a16="http://schemas.microsoft.com/office/drawing/2014/main" val="1510577784"/>
                   </a:ext>
                 </a:extLst>
               </a:tr>
@@ -3345,13 +3349,13 @@
                     <a:lstStyle/>
                     <a:p>
                       <a:r>
-                        <a:rPr lang="en-US" altLang="zh-CN" sz="1800" dirty="0" smtClean="0">
+                        <a:rPr lang="en-US" altLang="zh-CN" sz="1800" dirty="0">
                           <a:latin typeface="Museo Sans 100" panose="02000000000000000000" pitchFamily="50" charset="0"/>
                         </a:rPr>
                         <a:t>A quiet</a:t>
                       </a:r>
                       <a:r>
-                        <a:rPr lang="en-US" altLang="zh-CN" sz="1800" baseline="0" dirty="0" smtClean="0">
+                        <a:rPr lang="en-US" altLang="zh-CN" sz="1800" baseline="0" dirty="0">
                           <a:latin typeface="Museo Sans 100" panose="02000000000000000000" pitchFamily="50" charset="0"/>
                         </a:rPr>
                         <a:t>, no disturbing place with seats would be a good place for the interview. Such as a café(quiet one), an empty classroom or we can even do the interview on the bench in a park. We think a café will be the best choice. The environment of café is ideal for talking and will ease our interviewee for buying him/her a cup of coffee.</a:t>
@@ -3365,7 +3369,7 @@
                 </a:tc>
                 <a:extLst>
                   <a:ext uri="{0D108BD9-81ED-4DB2-BD59-A6C34878D82A}">
-                    <a16:rowId xmlns:a16="http://schemas.microsoft.com/office/drawing/2014/main" xmlns="" val="129596424"/>
+                    <a16:rowId xmlns:a16="http://schemas.microsoft.com/office/drawing/2014/main" val="129596424"/>
                   </a:ext>
                 </a:extLst>
               </a:tr>
@@ -3413,13 +3417,13 @@
                     <a:lstStyle/>
                     <a:p>
                       <a:r>
-                        <a:rPr lang="en-AU" sz="1800" dirty="0" smtClean="0">
+                        <a:rPr lang="en-AU" sz="1800" dirty="0">
                           <a:latin typeface="Museo Sans 100" panose="02000000000000000000" pitchFamily="50" charset="0"/>
                         </a:rPr>
                         <a:t>We want our interviewees feel relax</a:t>
                       </a:r>
                       <a:r>
-                        <a:rPr lang="en-AU" sz="1800" baseline="0" dirty="0" smtClean="0">
+                        <a:rPr lang="en-AU" sz="1800" baseline="0" dirty="0">
                           <a:latin typeface="Museo Sans 100" panose="02000000000000000000" pitchFamily="50" charset="0"/>
                         </a:rPr>
                         <a:t> and comfortable during the interview. We prefer make them excited and inspired rather than calm or safe after the interview because excite and inspiration will trigger them to think diversely and make them to share their idea initiatively with us.</a:t>
@@ -3433,7 +3437,7 @@
                 </a:tc>
                 <a:extLst>
                   <a:ext uri="{0D108BD9-81ED-4DB2-BD59-A6C34878D82A}">
-                    <a16:rowId xmlns:a16="http://schemas.microsoft.com/office/drawing/2014/main" xmlns="" val="1846043587"/>
+                    <a16:rowId xmlns:a16="http://schemas.microsoft.com/office/drawing/2014/main" val="1846043587"/>
                   </a:ext>
                 </a:extLst>
               </a:tr>
@@ -3472,19 +3476,19 @@
                     <a:lstStyle/>
                     <a:p>
                       <a:r>
-                        <a:rPr lang="en-AU" sz="1800" dirty="0" smtClean="0">
+                        <a:rPr lang="en-AU" sz="1800" dirty="0">
                           <a:latin typeface="Museo Sans 100" panose="02000000000000000000" pitchFamily="50" charset="0"/>
                         </a:rPr>
                         <a:t>We will bring a laptop to show our description, maybe</a:t>
                       </a:r>
                       <a:r>
-                        <a:rPr lang="en-AU" sz="1800" baseline="0" dirty="0" smtClean="0">
+                        <a:rPr lang="en-AU" sz="1800" baseline="0" dirty="0">
                           <a:latin typeface="Museo Sans 100" panose="02000000000000000000" pitchFamily="50" charset="0"/>
                         </a:rPr>
                         <a:t> a picture of a mourning hall and some apps/websites which have similar functions with our idea. We w</a:t>
                       </a:r>
                       <a:r>
-                        <a:rPr lang="en-US" sz="1800" baseline="0" dirty="0" smtClean="0">
+                        <a:rPr lang="en-US" sz="1800" baseline="0" dirty="0">
                           <a:latin typeface="Museo Sans 100" panose="02000000000000000000" pitchFamily="50" charset="0"/>
                         </a:rPr>
                         <a:t>ant our interviewee to try these apps/websites to give us even more advice.</a:t>
@@ -3498,7 +3502,7 @@
                 </a:tc>
                 <a:extLst>
                   <a:ext uri="{0D108BD9-81ED-4DB2-BD59-A6C34878D82A}">
-                    <a16:rowId xmlns:a16="http://schemas.microsoft.com/office/drawing/2014/main" xmlns="" val="845582958"/>
+                    <a16:rowId xmlns:a16="http://schemas.microsoft.com/office/drawing/2014/main" val="845582958"/>
                   </a:ext>
                 </a:extLst>
               </a:tr>
@@ -3511,7 +3515,7 @@
           <p:cNvPr id="17" name="TextBox 16">
             <a:extLst>
               <a:ext uri="{FF2B5EF4-FFF2-40B4-BE49-F238E27FC236}">
-                <a16:creationId xmlns:a16="http://schemas.microsoft.com/office/drawing/2014/main" xmlns="" id="{395E5FFD-759A-4A1A-90EE-0FB38B44F38E}"/>
+                <a16:creationId xmlns:a16="http://schemas.microsoft.com/office/drawing/2014/main" id="{395E5FFD-759A-4A1A-90EE-0FB38B44F38E}"/>
               </a:ext>
             </a:extLst>
           </p:cNvPr>
@@ -3549,7 +3553,7 @@
           <p:cNvPr id="18" name="TextBox 17">
             <a:extLst>
               <a:ext uri="{FF2B5EF4-FFF2-40B4-BE49-F238E27FC236}">
-                <a16:creationId xmlns:a16="http://schemas.microsoft.com/office/drawing/2014/main" xmlns="" id="{E9584D62-F713-4349-96CD-C70ABDBF8242}"/>
+                <a16:creationId xmlns:a16="http://schemas.microsoft.com/office/drawing/2014/main" id="{E9584D62-F713-4349-96CD-C70ABDBF8242}"/>
               </a:ext>
             </a:extLst>
           </p:cNvPr>
@@ -3587,7 +3591,7 @@
           <p:cNvPr id="19" name="TextBox 18">
             <a:extLst>
               <a:ext uri="{FF2B5EF4-FFF2-40B4-BE49-F238E27FC236}">
-                <a16:creationId xmlns:a16="http://schemas.microsoft.com/office/drawing/2014/main" xmlns="" id="{5C46F330-A25E-498F-8DE7-AC28F112C02D}"/>
+                <a16:creationId xmlns:a16="http://schemas.microsoft.com/office/drawing/2014/main" id="{5C46F330-A25E-498F-8DE7-AC28F112C02D}"/>
               </a:ext>
             </a:extLst>
           </p:cNvPr>
@@ -3625,7 +3629,7 @@
           <p:cNvPr id="20" name="TextBox 19">
             <a:extLst>
               <a:ext uri="{FF2B5EF4-FFF2-40B4-BE49-F238E27FC236}">
-                <a16:creationId xmlns:a16="http://schemas.microsoft.com/office/drawing/2014/main" xmlns="" id="{C05714C0-E05D-4F23-A53B-91597D2FB1E0}"/>
+                <a16:creationId xmlns:a16="http://schemas.microsoft.com/office/drawing/2014/main" id="{C05714C0-E05D-4F23-A53B-91597D2FB1E0}"/>
               </a:ext>
             </a:extLst>
           </p:cNvPr>
@@ -3663,7 +3667,7 @@
           <p:cNvPr id="21" name="TextBox 20">
             <a:extLst>
               <a:ext uri="{FF2B5EF4-FFF2-40B4-BE49-F238E27FC236}">
-                <a16:creationId xmlns:a16="http://schemas.microsoft.com/office/drawing/2014/main" xmlns="" id="{BAB400D7-4EC9-4174-8E1F-0C8EFB96FE98}"/>
+                <a16:creationId xmlns:a16="http://schemas.microsoft.com/office/drawing/2014/main" id="{BAB400D7-4EC9-4174-8E1F-0C8EFB96FE98}"/>
               </a:ext>
             </a:extLst>
           </p:cNvPr>
@@ -3701,7 +3705,7 @@
           <p:cNvPr id="1026" name="Picture 2" descr="Image result for make studios">
             <a:extLst>
               <a:ext uri="{FF2B5EF4-FFF2-40B4-BE49-F238E27FC236}">
-                <a16:creationId xmlns:a16="http://schemas.microsoft.com/office/drawing/2014/main" xmlns="" id="{3B78647F-CFE3-4A47-BC78-707E422279A8}"/>
+                <a16:creationId xmlns:a16="http://schemas.microsoft.com/office/drawing/2014/main" id="{3B78647F-CFE3-4A47-BC78-707E422279A8}"/>
               </a:ext>
             </a:extLst>
           </p:cNvPr>
@@ -3749,7 +3753,7 @@
           <p:cNvPr id="25" name="Arrow: Pentagon 24">
             <a:extLst>
               <a:ext uri="{FF2B5EF4-FFF2-40B4-BE49-F238E27FC236}">
-                <a16:creationId xmlns:a16="http://schemas.microsoft.com/office/drawing/2014/main" xmlns="" id="{6A8420C8-8EB0-4538-AE87-5DA2F33B6662}"/>
+                <a16:creationId xmlns:a16="http://schemas.microsoft.com/office/drawing/2014/main" id="{6A8420C8-8EB0-4538-AE87-5DA2F33B6662}"/>
               </a:ext>
             </a:extLst>
           </p:cNvPr>
@@ -3808,7 +3812,7 @@
           <p:cNvPr id="26" name="Arrow: Pentagon 25">
             <a:extLst>
               <a:ext uri="{FF2B5EF4-FFF2-40B4-BE49-F238E27FC236}">
-                <a16:creationId xmlns:a16="http://schemas.microsoft.com/office/drawing/2014/main" xmlns="" id="{0A8B1059-79EF-4F17-B5AC-603061E08794}"/>
+                <a16:creationId xmlns:a16="http://schemas.microsoft.com/office/drawing/2014/main" id="{0A8B1059-79EF-4F17-B5AC-603061E08794}"/>
               </a:ext>
             </a:extLst>
           </p:cNvPr>
@@ -3867,7 +3871,7 @@
           <p:cNvPr id="27" name="Arrow: Pentagon 26">
             <a:extLst>
               <a:ext uri="{FF2B5EF4-FFF2-40B4-BE49-F238E27FC236}">
-                <a16:creationId xmlns:a16="http://schemas.microsoft.com/office/drawing/2014/main" xmlns="" id="{4FAA4771-26A8-4D58-A9CB-643302A769E5}"/>
+                <a16:creationId xmlns:a16="http://schemas.microsoft.com/office/drawing/2014/main" id="{4FAA4771-26A8-4D58-A9CB-643302A769E5}"/>
               </a:ext>
             </a:extLst>
           </p:cNvPr>
@@ -3926,7 +3930,7 @@
           <p:cNvPr id="28" name="Arrow: Pentagon 27">
             <a:extLst>
               <a:ext uri="{FF2B5EF4-FFF2-40B4-BE49-F238E27FC236}">
-                <a16:creationId xmlns:a16="http://schemas.microsoft.com/office/drawing/2014/main" xmlns="" id="{76DBC628-F3A9-4CA3-8408-45F7B8599582}"/>
+                <a16:creationId xmlns:a16="http://schemas.microsoft.com/office/drawing/2014/main" id="{76DBC628-F3A9-4CA3-8408-45F7B8599582}"/>
               </a:ext>
             </a:extLst>
           </p:cNvPr>
@@ -4015,7 +4019,7 @@
           <p:cNvPr id="4" name="TextBox 3">
             <a:extLst>
               <a:ext uri="{FF2B5EF4-FFF2-40B4-BE49-F238E27FC236}">
-                <a16:creationId xmlns:a16="http://schemas.microsoft.com/office/drawing/2014/main" xmlns="" id="{E456F1FD-121E-4217-B971-1019BC385D25}"/>
+                <a16:creationId xmlns:a16="http://schemas.microsoft.com/office/drawing/2014/main" id="{E456F1FD-121E-4217-B971-1019BC385D25}"/>
               </a:ext>
             </a:extLst>
           </p:cNvPr>
@@ -4052,7 +4056,7 @@
           <p:cNvPr id="1026" name="Picture 2" descr="Image result for make studios">
             <a:extLst>
               <a:ext uri="{FF2B5EF4-FFF2-40B4-BE49-F238E27FC236}">
-                <a16:creationId xmlns:a16="http://schemas.microsoft.com/office/drawing/2014/main" xmlns="" id="{3B78647F-CFE3-4A47-BC78-707E422279A8}"/>
+                <a16:creationId xmlns:a16="http://schemas.microsoft.com/office/drawing/2014/main" id="{3B78647F-CFE3-4A47-BC78-707E422279A8}"/>
               </a:ext>
             </a:extLst>
           </p:cNvPr>
@@ -4100,7 +4104,7 @@
           <p:cNvPr id="2" name="Table 1">
             <a:extLst>
               <a:ext uri="{FF2B5EF4-FFF2-40B4-BE49-F238E27FC236}">
-                <a16:creationId xmlns:a16="http://schemas.microsoft.com/office/drawing/2014/main" xmlns="" id="{9694054B-3211-4614-B271-ADE3275E5D88}"/>
+                <a16:creationId xmlns:a16="http://schemas.microsoft.com/office/drawing/2014/main" id="{9694054B-3211-4614-B271-ADE3275E5D88}"/>
               </a:ext>
             </a:extLst>
           </p:cNvPr>
@@ -4129,28 +4133,28 @@
                 <a:gridCol w="643295">
                   <a:extLst>
                     <a:ext uri="{9D8B030D-6E8A-4147-A177-3AD203B41FA5}">
-                      <a16:colId xmlns:a16="http://schemas.microsoft.com/office/drawing/2014/main" xmlns="" val="3766568180"/>
+                      <a16:colId xmlns:a16="http://schemas.microsoft.com/office/drawing/2014/main" val="3766568180"/>
                     </a:ext>
                   </a:extLst>
                 </a:gridCol>
                 <a:gridCol w="3098379">
                   <a:extLst>
                     <a:ext uri="{9D8B030D-6E8A-4147-A177-3AD203B41FA5}">
-                      <a16:colId xmlns:a16="http://schemas.microsoft.com/office/drawing/2014/main" xmlns="" val="2659377414"/>
+                      <a16:colId xmlns:a16="http://schemas.microsoft.com/office/drawing/2014/main" val="2659377414"/>
                     </a:ext>
                   </a:extLst>
                 </a:gridCol>
                 <a:gridCol w="4420134">
                   <a:extLst>
                     <a:ext uri="{9D8B030D-6E8A-4147-A177-3AD203B41FA5}">
-                      <a16:colId xmlns:a16="http://schemas.microsoft.com/office/drawing/2014/main" xmlns="" val="2338214180"/>
+                      <a16:colId xmlns:a16="http://schemas.microsoft.com/office/drawing/2014/main" val="2338214180"/>
                     </a:ext>
                   </a:extLst>
                 </a:gridCol>
                 <a:gridCol w="3685546">
                   <a:extLst>
                     <a:ext uri="{9D8B030D-6E8A-4147-A177-3AD203B41FA5}">
-                      <a16:colId xmlns:a16="http://schemas.microsoft.com/office/drawing/2014/main" xmlns="" val="2812651653"/>
+                      <a16:colId xmlns:a16="http://schemas.microsoft.com/office/drawing/2014/main" val="2812651653"/>
                     </a:ext>
                   </a:extLst>
                 </a:gridCol>
@@ -4213,7 +4217,7 @@
                 </a:tc>
                 <a:extLst>
                   <a:ext uri="{0D108BD9-81ED-4DB2-BD59-A6C34878D82A}">
-                    <a16:rowId xmlns:a16="http://schemas.microsoft.com/office/drawing/2014/main" xmlns="" val="3414469565"/>
+                    <a16:rowId xmlns:a16="http://schemas.microsoft.com/office/drawing/2014/main" val="3414469565"/>
                   </a:ext>
                 </a:extLst>
               </a:tr>
@@ -4251,13 +4255,13 @@
                     <a:lstStyle/>
                     <a:p>
                       <a:r>
-                        <a:rPr lang="en-AU" sz="1900" dirty="0" smtClean="0">
+                        <a:rPr lang="en-AU" sz="1900" dirty="0">
                           <a:latin typeface="Museo Sans 700" panose="02000000000000000000" pitchFamily="50" charset="0"/>
                         </a:rPr>
                         <a:t>Why do you interested in others life or</a:t>
                       </a:r>
                       <a:r>
-                        <a:rPr lang="en-AU" sz="1900" baseline="0" dirty="0" smtClean="0">
+                        <a:rPr lang="en-AU" sz="1900" baseline="0" dirty="0">
                           <a:latin typeface="Museo Sans 700" panose="02000000000000000000" pitchFamily="50" charset="0"/>
                         </a:rPr>
                         <a:t> experience?</a:t>
@@ -4265,20 +4269,20 @@
                     </a:p>
                     <a:p>
                       <a:r>
-                        <a:rPr lang="en-AU" sz="1900" baseline="0" dirty="0" smtClean="0">
+                        <a:rPr lang="en-AU" sz="1900" baseline="0" dirty="0">
                           <a:latin typeface="Museo Sans 700" panose="02000000000000000000" pitchFamily="50" charset="0"/>
                         </a:rPr>
                         <a:t>How about the life or experience that belongs to some ordinary one passed away?</a:t>
                       </a:r>
                     </a:p>
                     <a:p>
-                      <a:endParaRPr lang="en-AU" sz="1900" baseline="0" dirty="0" smtClean="0">
+                      <a:endParaRPr lang="en-AU" sz="1900" baseline="0" dirty="0">
                         <a:latin typeface="Museo Sans 700" panose="02000000000000000000" pitchFamily="50" charset="0"/>
                       </a:endParaRPr>
                     </a:p>
                     <a:p>
                       <a:r>
-                        <a:rPr lang="en-AU" sz="1900" baseline="0" dirty="0" smtClean="0">
+                        <a:rPr lang="en-AU" sz="1900" baseline="0" dirty="0">
                           <a:latin typeface="Museo Sans 700" panose="02000000000000000000" pitchFamily="50" charset="0"/>
                         </a:rPr>
                         <a:t>If your loved one passed away, would you like to share his/her story with your friends or closed ones and why?</a:t>
@@ -4286,20 +4290,20 @@
                     </a:p>
                     <a:p>
                       <a:r>
-                        <a:rPr lang="en-AU" sz="1900" baseline="0" dirty="0" smtClean="0">
+                        <a:rPr lang="en-AU" sz="1900" baseline="0" dirty="0">
                           <a:latin typeface="Museo Sans 700" panose="02000000000000000000" pitchFamily="50" charset="0"/>
                         </a:rPr>
                         <a:t>How would you like to share/record the stories?</a:t>
                       </a:r>
                     </a:p>
                     <a:p>
-                      <a:endParaRPr lang="en-AU" sz="1900" baseline="0" dirty="0" smtClean="0">
+                      <a:endParaRPr lang="en-AU" sz="1900" baseline="0" dirty="0">
                         <a:latin typeface="Museo Sans 700" panose="02000000000000000000" pitchFamily="50" charset="0"/>
                       </a:endParaRPr>
                     </a:p>
                     <a:p>
                       <a:r>
-                        <a:rPr lang="en-AU" sz="1900" baseline="0" dirty="0" smtClean="0">
+                        <a:rPr lang="en-AU" sz="1900" baseline="0" dirty="0">
                           <a:latin typeface="Museo Sans 700" panose="02000000000000000000" pitchFamily="50" charset="0"/>
                         </a:rPr>
                         <a:t>How would you like to mourn him/her?</a:t>
@@ -4307,14 +4311,14 @@
                     </a:p>
                     <a:p>
                       <a:r>
-                        <a:rPr lang="en-AU" sz="1900" baseline="0" dirty="0" smtClean="0">
+                        <a:rPr lang="en-AU" sz="1900" baseline="0" dirty="0">
                           <a:latin typeface="Museo Sans 700" panose="02000000000000000000" pitchFamily="50" charset="0"/>
                         </a:rPr>
                         <a:t>What do you think is the best way to mourn him/her?</a:t>
                       </a:r>
                     </a:p>
                     <a:p>
-                      <a:endParaRPr lang="en-AU" sz="1900" baseline="0" dirty="0" smtClean="0">
+                      <a:endParaRPr lang="en-AU" sz="1900" baseline="0" dirty="0">
                         <a:latin typeface="Museo Sans 700" panose="02000000000000000000" pitchFamily="50" charset="0"/>
                       </a:endParaRPr>
                     </a:p>
@@ -4337,18 +4341,18 @@
                         <a:defRPr/>
                       </a:pPr>
                       <a:r>
-                        <a:rPr lang="en-AU" altLang="zh-CN" sz="1900" baseline="0" dirty="0" smtClean="0">
+                        <a:rPr lang="en-AU" altLang="zh-CN" sz="1900" baseline="0" dirty="0">
                           <a:latin typeface="Museo Sans 700" panose="02000000000000000000" pitchFamily="50" charset="0"/>
                         </a:rPr>
                         <a:t>Do you think mourn someone online is disrespectful and very informal and why?</a:t>
                       </a:r>
-                      <a:endParaRPr lang="en-AU" sz="1900" baseline="0" dirty="0" smtClean="0">
+                      <a:endParaRPr lang="en-AU" sz="1900" baseline="0" dirty="0">
                         <a:latin typeface="Museo Sans 700" panose="02000000000000000000" pitchFamily="50" charset="0"/>
                       </a:endParaRPr>
                     </a:p>
                     <a:p>
                       <a:r>
-                        <a:rPr lang="en-AU" sz="1900" baseline="0" dirty="0" smtClean="0">
+                        <a:rPr lang="en-AU" sz="1900" baseline="0" dirty="0">
                           <a:latin typeface="Museo Sans 700" panose="02000000000000000000" pitchFamily="50" charset="0"/>
                         </a:rPr>
                         <a:t>What do you think about a website where you can mourn or share/record the stories of your loved one?</a:t>
@@ -4363,58 +4367,58 @@
                     <a:lstStyle/>
                     <a:p>
                       <a:r>
-                        <a:rPr lang="en-AU" sz="1900" dirty="0" smtClean="0">
+                        <a:rPr lang="en-AU" sz="1900" dirty="0">
                           <a:latin typeface="Museo Sans 700" panose="02000000000000000000" pitchFamily="50" charset="0"/>
                         </a:rPr>
                         <a:t>To see if our interviewee</a:t>
                       </a:r>
                       <a:r>
-                        <a:rPr lang="en-AU" sz="1900" baseline="0" dirty="0" smtClean="0">
+                        <a:rPr lang="en-AU" sz="1900" baseline="0" dirty="0">
                           <a:latin typeface="Museo Sans 700" panose="02000000000000000000" pitchFamily="50" charset="0"/>
                         </a:rPr>
                         <a:t> or any general one’s interest in others story. So we can anticipate wether our website will be good because of  the story sharing.</a:t>
                       </a:r>
                     </a:p>
                     <a:p>
-                      <a:endParaRPr lang="en-AU" sz="1900" baseline="0" dirty="0" smtClean="0">
+                      <a:endParaRPr lang="en-AU" sz="1900" baseline="0" dirty="0">
                         <a:latin typeface="Museo Sans 700" panose="02000000000000000000" pitchFamily="50" charset="0"/>
                       </a:endParaRPr>
                     </a:p>
                     <a:p>
                       <a:r>
-                        <a:rPr lang="en-AU" sz="1900" baseline="0" dirty="0" smtClean="0">
+                        <a:rPr lang="en-AU" sz="1900" baseline="0" dirty="0">
                           <a:latin typeface="Museo Sans 700" panose="02000000000000000000" pitchFamily="50" charset="0"/>
                         </a:rPr>
                         <a:t>As one of our website’s main function. We want to know how our interviewee suggests to sharing and recording stories of their loved ones.</a:t>
                       </a:r>
                     </a:p>
                     <a:p>
-                      <a:endParaRPr lang="en-AU" sz="1900" dirty="0" smtClean="0">
+                      <a:endParaRPr lang="en-AU" sz="1900" dirty="0">
                         <a:latin typeface="Museo Sans 700" panose="02000000000000000000" pitchFamily="50" charset="0"/>
                       </a:endParaRPr>
                     </a:p>
                     <a:p>
                       <a:r>
-                        <a:rPr lang="en-AU" sz="1900" dirty="0" smtClean="0">
+                        <a:rPr lang="en-AU" sz="1900" dirty="0">
                           <a:latin typeface="Museo Sans 700" panose="02000000000000000000" pitchFamily="50" charset="0"/>
                         </a:rPr>
                         <a:t>As another</a:t>
                       </a:r>
                       <a:r>
-                        <a:rPr lang="en-AU" sz="1900" baseline="0" dirty="0" smtClean="0">
+                        <a:rPr lang="en-AU" sz="1900" baseline="0" dirty="0">
                           <a:latin typeface="Museo Sans 700" panose="02000000000000000000" pitchFamily="50" charset="0"/>
                         </a:rPr>
                         <a:t> main function of our website. We would like to know what our interviewee think about the best way to mourn their loved one.</a:t>
                       </a:r>
                     </a:p>
                     <a:p>
-                      <a:endParaRPr lang="en-AU" sz="1900" baseline="0" dirty="0" smtClean="0">
+                      <a:endParaRPr lang="en-AU" sz="1900" baseline="0" dirty="0">
                         <a:latin typeface="Museo Sans 700" panose="02000000000000000000" pitchFamily="50" charset="0"/>
                       </a:endParaRPr>
                     </a:p>
                     <a:p>
                       <a:r>
-                        <a:rPr lang="en-AU" sz="1900" baseline="0" dirty="0" smtClean="0">
+                        <a:rPr lang="en-AU" sz="1900" baseline="0" dirty="0">
                           <a:latin typeface="Museo Sans 700" panose="02000000000000000000" pitchFamily="50" charset="0"/>
                         </a:rPr>
                         <a:t>We start to see if our interviewee think its ok to mourn online then ask how our interviewee feels about our website idea.</a:t>
@@ -4428,7 +4432,7 @@
                 </a:tc>
                 <a:extLst>
                   <a:ext uri="{0D108BD9-81ED-4DB2-BD59-A6C34878D82A}">
-                    <a16:rowId xmlns:a16="http://schemas.microsoft.com/office/drawing/2014/main" xmlns="" val="199684481"/>
+                    <a16:rowId xmlns:a16="http://schemas.microsoft.com/office/drawing/2014/main" val="199684481"/>
                   </a:ext>
                 </a:extLst>
               </a:tr>
@@ -4487,7 +4491,7 @@
                 </a:tc>
                 <a:extLst>
                   <a:ext uri="{0D108BD9-81ED-4DB2-BD59-A6C34878D82A}">
-                    <a16:rowId xmlns:a16="http://schemas.microsoft.com/office/drawing/2014/main" xmlns="" val="237994342"/>
+                    <a16:rowId xmlns:a16="http://schemas.microsoft.com/office/drawing/2014/main" val="237994342"/>
                   </a:ext>
                 </a:extLst>
               </a:tr>
@@ -4546,7 +4550,7 @@
                 </a:tc>
                 <a:extLst>
                   <a:ext uri="{0D108BD9-81ED-4DB2-BD59-A6C34878D82A}">
-                    <a16:rowId xmlns:a16="http://schemas.microsoft.com/office/drawing/2014/main" xmlns="" val="2014684017"/>
+                    <a16:rowId xmlns:a16="http://schemas.microsoft.com/office/drawing/2014/main" val="2014684017"/>
                   </a:ext>
                 </a:extLst>
               </a:tr>
@@ -4605,7 +4609,7 @@
                 </a:tc>
                 <a:extLst>
                   <a:ext uri="{0D108BD9-81ED-4DB2-BD59-A6C34878D82A}">
-                    <a16:rowId xmlns:a16="http://schemas.microsoft.com/office/drawing/2014/main" xmlns="" val="1381312665"/>
+                    <a16:rowId xmlns:a16="http://schemas.microsoft.com/office/drawing/2014/main" val="1381312665"/>
                   </a:ext>
                 </a:extLst>
               </a:tr>
@@ -4664,7 +4668,7 @@
                 </a:tc>
                 <a:extLst>
                   <a:ext uri="{0D108BD9-81ED-4DB2-BD59-A6C34878D82A}">
-                    <a16:rowId xmlns:a16="http://schemas.microsoft.com/office/drawing/2014/main" xmlns="" val="134575516"/>
+                    <a16:rowId xmlns:a16="http://schemas.microsoft.com/office/drawing/2014/main" val="134575516"/>
                   </a:ext>
                 </a:extLst>
               </a:tr>
@@ -4723,7 +4727,7 @@
                 </a:tc>
                 <a:extLst>
                   <a:ext uri="{0D108BD9-81ED-4DB2-BD59-A6C34878D82A}">
-                    <a16:rowId xmlns:a16="http://schemas.microsoft.com/office/drawing/2014/main" xmlns="" val="3124016008"/>
+                    <a16:rowId xmlns:a16="http://schemas.microsoft.com/office/drawing/2014/main" val="3124016008"/>
                   </a:ext>
                 </a:extLst>
               </a:tr>
@@ -4782,7 +4786,7 @@
                 </a:tc>
                 <a:extLst>
                   <a:ext uri="{0D108BD9-81ED-4DB2-BD59-A6C34878D82A}">
-                    <a16:rowId xmlns:a16="http://schemas.microsoft.com/office/drawing/2014/main" xmlns="" val="2480304761"/>
+                    <a16:rowId xmlns:a16="http://schemas.microsoft.com/office/drawing/2014/main" val="2480304761"/>
                   </a:ext>
                 </a:extLst>
               </a:tr>
@@ -4841,7 +4845,7 @@
                 </a:tc>
                 <a:extLst>
                   <a:ext uri="{0D108BD9-81ED-4DB2-BD59-A6C34878D82A}">
-                    <a16:rowId xmlns:a16="http://schemas.microsoft.com/office/drawing/2014/main" xmlns="" val="2598842573"/>
+                    <a16:rowId xmlns:a16="http://schemas.microsoft.com/office/drawing/2014/main" val="2598842573"/>
                   </a:ext>
                 </a:extLst>
               </a:tr>

--- a/Interview Guide Template.pptx
+++ b/Interview Guide Template.pptx
@@ -113,10 +113,6 @@
 </p:presentation>
 </file>
 
-<file path=ppt/revisionInfo.xml><?xml version="1.0" encoding="utf-8"?>
-<p1510:revInfo xmlns:a="http://schemas.openxmlformats.org/drawingml/2006/main" xmlns:r="http://schemas.openxmlformats.org/officeDocument/2006/relationships" xmlns:p1510="http://schemas.microsoft.com/office/powerpoint/2015/10/main"/>
-</file>
-
 <file path=ppt/slideLayouts/slideLayout1.xml><?xml version="1.0" encoding="utf-8"?>
 <p:sldLayout xmlns:a="http://schemas.openxmlformats.org/drawingml/2006/main" xmlns:r="http://schemas.openxmlformats.org/officeDocument/2006/relationships" xmlns:p="http://schemas.openxmlformats.org/presentationml/2006/main" type="title" preserve="1">
   <p:cSld name="Title Slide">
@@ -248,7 +244,7 @@
           <a:p>
             <a:fld id="{CCBF2FC0-D212-4BF2-A139-CA75AA8D4FDC}" type="datetimeFigureOut">
               <a:rPr lang="en-AU" smtClean="0"/>
-              <a:t>24/03/2018</a:t>
+              <a:t>23/03/2018</a:t>
             </a:fld>
             <a:endParaRPr lang="en-AU"/>
           </a:p>
@@ -418,7 +414,7 @@
           <a:p>
             <a:fld id="{CCBF2FC0-D212-4BF2-A139-CA75AA8D4FDC}" type="datetimeFigureOut">
               <a:rPr lang="en-AU" smtClean="0"/>
-              <a:t>24/03/2018</a:t>
+              <a:t>23/03/2018</a:t>
             </a:fld>
             <a:endParaRPr lang="en-AU"/>
           </a:p>
@@ -598,7 +594,7 @@
           <a:p>
             <a:fld id="{CCBF2FC0-D212-4BF2-A139-CA75AA8D4FDC}" type="datetimeFigureOut">
               <a:rPr lang="en-AU" smtClean="0"/>
-              <a:t>24/03/2018</a:t>
+              <a:t>23/03/2018</a:t>
             </a:fld>
             <a:endParaRPr lang="en-AU"/>
           </a:p>
@@ -768,7 +764,7 @@
           <a:p>
             <a:fld id="{CCBF2FC0-D212-4BF2-A139-CA75AA8D4FDC}" type="datetimeFigureOut">
               <a:rPr lang="en-AU" smtClean="0"/>
-              <a:t>24/03/2018</a:t>
+              <a:t>23/03/2018</a:t>
             </a:fld>
             <a:endParaRPr lang="en-AU"/>
           </a:p>
@@ -1012,7 +1008,7 @@
           <a:p>
             <a:fld id="{CCBF2FC0-D212-4BF2-A139-CA75AA8D4FDC}" type="datetimeFigureOut">
               <a:rPr lang="en-AU" smtClean="0"/>
-              <a:t>24/03/2018</a:t>
+              <a:t>23/03/2018</a:t>
             </a:fld>
             <a:endParaRPr lang="en-AU"/>
           </a:p>
@@ -1244,7 +1240,7 @@
           <a:p>
             <a:fld id="{CCBF2FC0-D212-4BF2-A139-CA75AA8D4FDC}" type="datetimeFigureOut">
               <a:rPr lang="en-AU" smtClean="0"/>
-              <a:t>24/03/2018</a:t>
+              <a:t>23/03/2018</a:t>
             </a:fld>
             <a:endParaRPr lang="en-AU"/>
           </a:p>
@@ -1611,7 +1607,7 @@
           <a:p>
             <a:fld id="{CCBF2FC0-D212-4BF2-A139-CA75AA8D4FDC}" type="datetimeFigureOut">
               <a:rPr lang="en-AU" smtClean="0"/>
-              <a:t>24/03/2018</a:t>
+              <a:t>23/03/2018</a:t>
             </a:fld>
             <a:endParaRPr lang="en-AU"/>
           </a:p>
@@ -1729,7 +1725,7 @@
           <a:p>
             <a:fld id="{CCBF2FC0-D212-4BF2-A139-CA75AA8D4FDC}" type="datetimeFigureOut">
               <a:rPr lang="en-AU" smtClean="0"/>
-              <a:t>24/03/2018</a:t>
+              <a:t>23/03/2018</a:t>
             </a:fld>
             <a:endParaRPr lang="en-AU"/>
           </a:p>
@@ -1824,7 +1820,7 @@
           <a:p>
             <a:fld id="{CCBF2FC0-D212-4BF2-A139-CA75AA8D4FDC}" type="datetimeFigureOut">
               <a:rPr lang="en-AU" smtClean="0"/>
-              <a:t>24/03/2018</a:t>
+              <a:t>23/03/2018</a:t>
             </a:fld>
             <a:endParaRPr lang="en-AU"/>
           </a:p>
@@ -2101,7 +2097,7 @@
           <a:p>
             <a:fld id="{CCBF2FC0-D212-4BF2-A139-CA75AA8D4FDC}" type="datetimeFigureOut">
               <a:rPr lang="en-AU" smtClean="0"/>
-              <a:t>24/03/2018</a:t>
+              <a:t>23/03/2018</a:t>
             </a:fld>
             <a:endParaRPr lang="en-AU"/>
           </a:p>
@@ -2358,7 +2354,7 @@
           <a:p>
             <a:fld id="{CCBF2FC0-D212-4BF2-A139-CA75AA8D4FDC}" type="datetimeFigureOut">
               <a:rPr lang="en-AU" smtClean="0"/>
-              <a:t>24/03/2018</a:t>
+              <a:t>23/03/2018</a:t>
             </a:fld>
             <a:endParaRPr lang="en-AU"/>
           </a:p>
@@ -2571,7 +2567,7 @@
           <a:p>
             <a:fld id="{CCBF2FC0-D212-4BF2-A139-CA75AA8D4FDC}" type="datetimeFigureOut">
               <a:rPr lang="en-AU" smtClean="0"/>
-              <a:t>24/03/2018</a:t>
+              <a:t>23/03/2018</a:t>
             </a:fld>
             <a:endParaRPr lang="en-AU"/>
           </a:p>
@@ -3094,7 +3090,7 @@
         </p:nvGraphicFramePr>
         <p:xfrm>
           <a:off x="2538786" y="1254369"/>
-          <a:ext cx="9810648" cy="10750878"/>
+          <a:ext cx="9810648" cy="12275820"/>
         </p:xfrm>
         <a:graphic>
           <a:graphicData uri="http://schemas.openxmlformats.org/drawingml/2006/table">
@@ -3179,7 +3175,7 @@
                         <a:defRPr/>
                       </a:pPr>
                       <a:r>
-                        <a:rPr lang="en-GB" altLang="zh-CN" sz="1800" kern="1200" dirty="0">
+                        <a:rPr lang="en-GB" altLang="zh-CN" sz="1800" kern="1200" dirty="0" smtClean="0">
                           <a:solidFill>
                             <a:schemeClr val="tx1"/>
                           </a:solidFill>
@@ -3191,7 +3187,7 @@
                         <a:t>We’re focusing on the </a:t>
                       </a:r>
                       <a:r>
-                        <a:rPr lang="en-GB" altLang="zh-CN" sz="1800" kern="1200" dirty="0" err="1">
+                        <a:rPr lang="en-GB" altLang="zh-CN" sz="1800" kern="1200" dirty="0" err="1" smtClean="0">
                           <a:solidFill>
                             <a:schemeClr val="tx1"/>
                           </a:solidFill>
@@ -3203,7 +3199,7 @@
                         <a:t>reimagination</a:t>
                       </a:r>
                       <a:r>
-                        <a:rPr lang="en-GB" altLang="zh-CN" sz="1800" kern="1200" dirty="0">
+                        <a:rPr lang="en-GB" altLang="zh-CN" sz="1800" kern="1200" dirty="0" smtClean="0">
                           <a:solidFill>
                             <a:schemeClr val="tx1"/>
                           </a:solidFill>
@@ -3215,12 +3211,12 @@
                         <a:t> of the end-of-life experience for ourselves or our loved ones. People whose beloved ones passed away are involved because they are the shareholders for this project. The reason why we need to conduct this interview is that we want to understand their opinions and suggestions on the online grieving website.</a:t>
                       </a:r>
                       <a:r>
-                        <a:rPr lang="zh-CN" altLang="zh-CN" sz="1800" dirty="0">
+                        <a:rPr lang="zh-CN" altLang="zh-CN" sz="1800" dirty="0" smtClean="0">
                           <a:effectLst/>
                         </a:rPr>
                         <a:t> </a:t>
                       </a:r>
-                      <a:endParaRPr lang="en-US" sz="1800" dirty="0">
+                      <a:endParaRPr lang="en-US" sz="1800" dirty="0" smtClean="0">
                         <a:latin typeface="Museo Sans 100" panose="02000000000000000000" pitchFamily="50" charset="0"/>
                       </a:endParaRPr>
                     </a:p>
@@ -3273,7 +3269,7 @@
                     <a:lstStyle/>
                     <a:p>
                       <a:r>
-                        <a:rPr lang="en-GB" altLang="zh-CN" sz="1800" kern="1200" dirty="0">
+                        <a:rPr lang="en-GB" altLang="zh-CN" sz="1800" kern="1200" dirty="0" smtClean="0">
                           <a:solidFill>
                             <a:schemeClr val="tx1"/>
                           </a:solidFill>
@@ -3284,7 +3280,7 @@
                         </a:rPr>
                         <a:t>The desired outcome of this interview is that we can decide on a blueprint of the website where its contents are suitable. We would like to validate that this website can help those whose beloved one passed away alleviate their sadness and reimagine the end-of-life experience.  In addition, we would like to learn the additional features they desire and the proper way to implement it without causing unwanted troubles.</a:t>
                       </a:r>
-                      <a:endParaRPr lang="zh-CN" altLang="zh-CN" sz="1800" kern="1200" dirty="0">
+                      <a:endParaRPr lang="zh-CN" altLang="zh-CN" sz="1800" kern="1200" dirty="0" smtClean="0">
                         <a:solidFill>
                           <a:schemeClr val="tx1"/>
                         </a:solidFill>
@@ -3349,13 +3345,13 @@
                     <a:lstStyle/>
                     <a:p>
                       <a:r>
-                        <a:rPr lang="en-US" altLang="zh-CN" sz="1800" dirty="0">
+                        <a:rPr lang="en-US" altLang="zh-CN" sz="1800" dirty="0" smtClean="0">
                           <a:latin typeface="Museo Sans 100" panose="02000000000000000000" pitchFamily="50" charset="0"/>
                         </a:rPr>
                         <a:t>A quiet</a:t>
                       </a:r>
                       <a:r>
-                        <a:rPr lang="en-US" altLang="zh-CN" sz="1800" baseline="0" dirty="0">
+                        <a:rPr lang="en-US" altLang="zh-CN" sz="1800" baseline="0" dirty="0" smtClean="0">
                           <a:latin typeface="Museo Sans 100" panose="02000000000000000000" pitchFamily="50" charset="0"/>
                         </a:rPr>
                         <a:t>, no disturbing place with seats would be a good place for the interview. Such as a café(quiet one), an empty classroom or we can even do the interview on the bench in a park. We think a café will be the best choice. The environment of café is ideal for talking and will ease our interviewee for buying him/her a cup of coffee.</a:t>
@@ -3417,13 +3413,13 @@
                     <a:lstStyle/>
                     <a:p>
                       <a:r>
-                        <a:rPr lang="en-AU" sz="1800" dirty="0">
+                        <a:rPr lang="en-AU" sz="1800" dirty="0" smtClean="0">
                           <a:latin typeface="Museo Sans 100" panose="02000000000000000000" pitchFamily="50" charset="0"/>
                         </a:rPr>
                         <a:t>We want our interviewees feel relax</a:t>
                       </a:r>
                       <a:r>
-                        <a:rPr lang="en-AU" sz="1800" baseline="0" dirty="0">
+                        <a:rPr lang="en-AU" sz="1800" baseline="0" dirty="0" smtClean="0">
                           <a:latin typeface="Museo Sans 100" panose="02000000000000000000" pitchFamily="50" charset="0"/>
                         </a:rPr>
                         <a:t> and comfortable during the interview. We prefer make them excited and inspired rather than calm or safe after the interview because excite and inspiration will trigger them to think diversely and make them to share their idea initiatively with us.</a:t>
@@ -3476,19 +3472,19 @@
                     <a:lstStyle/>
                     <a:p>
                       <a:r>
-                        <a:rPr lang="en-AU" sz="1800" dirty="0">
+                        <a:rPr lang="en-AU" sz="1800" dirty="0" smtClean="0">
                           <a:latin typeface="Museo Sans 100" panose="02000000000000000000" pitchFamily="50" charset="0"/>
                         </a:rPr>
                         <a:t>We will bring a laptop to show our description, maybe</a:t>
                       </a:r>
                       <a:r>
-                        <a:rPr lang="en-AU" sz="1800" baseline="0" dirty="0">
+                        <a:rPr lang="en-AU" sz="1800" baseline="0" dirty="0" smtClean="0">
                           <a:latin typeface="Museo Sans 100" panose="02000000000000000000" pitchFamily="50" charset="0"/>
                         </a:rPr>
                         <a:t> a picture of a mourning hall and some apps/websites which have similar functions with our idea. We w</a:t>
                       </a:r>
                       <a:r>
-                        <a:rPr lang="en-US" sz="1800" baseline="0" dirty="0">
+                        <a:rPr lang="en-US" sz="1800" baseline="0" dirty="0" smtClean="0">
                           <a:latin typeface="Museo Sans 100" panose="02000000000000000000" pitchFamily="50" charset="0"/>
                         </a:rPr>
                         <a:t>ant our interviewee to try these apps/websites to give us even more advice.</a:t>
@@ -3715,7 +3711,7 @@
           <p:nvPr/>
         </p:nvPicPr>
         <p:blipFill>
-          <a:blip r:embed="rId2">
+          <a:blip r:embed="rId2" cstate="hqprint">
             <a:biLevel thresh="75000"/>
             <a:extLst>
               <a:ext uri="{28A0092B-C50C-407E-A947-70E740481C1C}">
@@ -4066,7 +4062,7 @@
           <p:nvPr/>
         </p:nvPicPr>
         <p:blipFill>
-          <a:blip r:embed="rId2">
+          <a:blip r:embed="rId2" cstate="hqprint">
             <a:biLevel thresh="75000"/>
             <a:extLst>
               <a:ext uri="{28A0092B-C50C-407E-A947-70E740481C1C}">
@@ -4114,14 +4110,14 @@
           <p:nvPr>
             <p:extLst>
               <p:ext uri="{D42A27DB-BD31-4B8C-83A1-F6EECF244321}">
-                <p14:modId xmlns:p14="http://schemas.microsoft.com/office/powerpoint/2010/main" val="1852937321"/>
+                <p14:modId xmlns:p14="http://schemas.microsoft.com/office/powerpoint/2010/main" val="920485329"/>
               </p:ext>
             </p:extLst>
           </p:nvPr>
         </p:nvGraphicFramePr>
         <p:xfrm>
           <a:off x="502080" y="1172309"/>
-          <a:ext cx="11847354" cy="8025011"/>
+          <a:ext cx="11847354" cy="16835856"/>
         </p:xfrm>
         <a:graphic>
           <a:graphicData uri="http://schemas.openxmlformats.org/drawingml/2006/table">
@@ -4255,75 +4251,57 @@
                     <a:lstStyle/>
                     <a:p>
                       <a:r>
-                        <a:rPr lang="en-AU" sz="1900" dirty="0">
+                        <a:rPr lang="en-AU" sz="1900" dirty="0" smtClean="0">
                           <a:latin typeface="Museo Sans 700" panose="02000000000000000000" pitchFamily="50" charset="0"/>
                         </a:rPr>
-                        <a:t>Why do you interested in others life or</a:t>
-                      </a:r>
-                      <a:r>
-                        <a:rPr lang="en-AU" sz="1900" baseline="0" dirty="0">
+                        <a:t>1.{Why </a:t>
+                      </a:r>
+                      <a:r>
+                        <a:rPr lang="en-AU" sz="1900" dirty="0" smtClean="0">
                           <a:latin typeface="Museo Sans 700" panose="02000000000000000000" pitchFamily="50" charset="0"/>
                         </a:rPr>
+                        <a:t>do you interested in others life or</a:t>
+                      </a:r>
+                      <a:r>
+                        <a:rPr lang="en-AU" sz="1900" baseline="0" dirty="0" smtClean="0">
+                          <a:latin typeface="Museo Sans 700" panose="02000000000000000000" pitchFamily="50" charset="0"/>
+                        </a:rPr>
                         <a:t> experience?</a:t>
                       </a:r>
                     </a:p>
                     <a:p>
                       <a:r>
-                        <a:rPr lang="en-AU" sz="1900" baseline="0" dirty="0">
+                        <a:rPr lang="en-AU" sz="1900" baseline="0" dirty="0" smtClean="0">
                           <a:latin typeface="Museo Sans 700" panose="02000000000000000000" pitchFamily="50" charset="0"/>
                         </a:rPr>
-                        <a:t>How about the life or experience that belongs to some ordinary one passed away?</a:t>
-                      </a:r>
-                    </a:p>
-                    <a:p>
-                      <a:endParaRPr lang="en-AU" sz="1900" baseline="0" dirty="0">
+                        <a:t>How about the life or experience that belongs to some normal one </a:t>
+                      </a:r>
+                      <a:r>
+                        <a:rPr lang="en-AU" sz="1900" baseline="0" dirty="0" smtClean="0">
+                          <a:latin typeface="Museo Sans 700" panose="02000000000000000000" pitchFamily="50" charset="0"/>
+                        </a:rPr>
+                        <a:t>who passed </a:t>
+                      </a:r>
+                      <a:r>
+                        <a:rPr lang="en-AU" sz="1900" baseline="0" dirty="0" smtClean="0">
+                          <a:latin typeface="Museo Sans 700" panose="02000000000000000000" pitchFamily="50" charset="0"/>
+                        </a:rPr>
+                        <a:t>away</a:t>
+                      </a:r>
+                      <a:r>
+                        <a:rPr lang="en-AU" sz="1900" baseline="0" dirty="0" smtClean="0">
+                          <a:latin typeface="Museo Sans 700" panose="02000000000000000000" pitchFamily="50" charset="0"/>
+                        </a:rPr>
+                        <a:t>?}</a:t>
+                      </a:r>
+                    </a:p>
+                    <a:p>
+                      <a:endParaRPr lang="en-AU" sz="1900" baseline="0" dirty="0" smtClean="0">
                         <a:latin typeface="Museo Sans 700" panose="02000000000000000000" pitchFamily="50" charset="0"/>
                       </a:endParaRPr>
                     </a:p>
                     <a:p>
-                      <a:r>
-                        <a:rPr lang="en-AU" sz="1900" baseline="0" dirty="0">
-                          <a:latin typeface="Museo Sans 700" panose="02000000000000000000" pitchFamily="50" charset="0"/>
-                        </a:rPr>
-                        <a:t>If your loved one passed away, would you like to share his/her story with your friends or closed ones and why?</a:t>
-                      </a:r>
-                    </a:p>
-                    <a:p>
-                      <a:r>
-                        <a:rPr lang="en-AU" sz="1900" baseline="0" dirty="0">
-                          <a:latin typeface="Museo Sans 700" panose="02000000000000000000" pitchFamily="50" charset="0"/>
-                        </a:rPr>
-                        <a:t>How would you like to share/record the stories?</a:t>
-                      </a:r>
-                    </a:p>
-                    <a:p>
-                      <a:endParaRPr lang="en-AU" sz="1900" baseline="0" dirty="0">
-                        <a:latin typeface="Museo Sans 700" panose="02000000000000000000" pitchFamily="50" charset="0"/>
-                      </a:endParaRPr>
-                    </a:p>
-                    <a:p>
-                      <a:r>
-                        <a:rPr lang="en-AU" sz="1900" baseline="0" dirty="0">
-                          <a:latin typeface="Museo Sans 700" panose="02000000000000000000" pitchFamily="50" charset="0"/>
-                        </a:rPr>
-                        <a:t>How would you like to mourn him/her?</a:t>
-                      </a:r>
-                    </a:p>
-                    <a:p>
-                      <a:r>
-                        <a:rPr lang="en-AU" sz="1900" baseline="0" dirty="0">
-                          <a:latin typeface="Museo Sans 700" panose="02000000000000000000" pitchFamily="50" charset="0"/>
-                        </a:rPr>
-                        <a:t>What do you think is the best way to mourn him/her?</a:t>
-                      </a:r>
-                    </a:p>
-                    <a:p>
-                      <a:endParaRPr lang="en-AU" sz="1900" baseline="0" dirty="0">
-                        <a:latin typeface="Museo Sans 700" panose="02000000000000000000" pitchFamily="50" charset="0"/>
-                      </a:endParaRPr>
-                    </a:p>
-                    <a:p>
-                      <a:pPr marL="0" marR="0" indent="0" algn="l" defTabSz="1280160" rtl="0" eaLnBrk="1" fontAlgn="auto" latinLnBrk="0" hangingPunct="1">
+                      <a:pPr marL="0" marR="0" lvl="0" indent="0" algn="l" defTabSz="1280160" rtl="0" eaLnBrk="1" fontAlgn="auto" latinLnBrk="0" hangingPunct="1">
                         <a:lnSpc>
                           <a:spcPct val="100000"/>
                         </a:lnSpc>
@@ -4341,22 +4319,202 @@
                         <a:defRPr/>
                       </a:pPr>
                       <a:r>
-                        <a:rPr lang="en-AU" altLang="zh-CN" sz="1900" baseline="0" dirty="0">
+                        <a:rPr lang="en-AU" sz="1900" baseline="0" dirty="0" smtClean="0">
                           <a:latin typeface="Museo Sans 700" panose="02000000000000000000" pitchFamily="50" charset="0"/>
                         </a:rPr>
-                        <a:t>Do you think mourn someone online is disrespectful and very informal and why?</a:t>
-                      </a:r>
-                      <a:endParaRPr lang="en-AU" sz="1900" baseline="0" dirty="0">
+                        <a:t>2.{Many people suffer from depressive disorder or other mental disease after losing his/her loved ones, what do you think about its reason?</a:t>
+                      </a:r>
+                    </a:p>
+                    <a:p>
+                      <a:r>
+                        <a:rPr lang="en-AU" sz="1900" baseline="0" dirty="0" smtClean="0">
+                          <a:latin typeface="Museo Sans 700" panose="02000000000000000000" pitchFamily="50" charset="0"/>
+                        </a:rPr>
+                        <a:t>If your loved one passed away, how would you get rid of the pains of losing him/her in a short period of time?}</a:t>
+                      </a:r>
+                    </a:p>
+                    <a:p>
+                      <a:endParaRPr lang="en-AU" sz="1900" baseline="0" dirty="0" smtClean="0">
                         <a:latin typeface="Museo Sans 700" panose="02000000000000000000" pitchFamily="50" charset="0"/>
                       </a:endParaRPr>
                     </a:p>
                     <a:p>
                       <a:r>
-                        <a:rPr lang="en-AU" sz="1900" baseline="0" dirty="0">
+                        <a:rPr lang="en-AU" sz="1900" baseline="0" dirty="0" smtClean="0">
                           <a:latin typeface="Museo Sans 700" panose="02000000000000000000" pitchFamily="50" charset="0"/>
                         </a:rPr>
-                        <a:t>What do you think about a website where you can mourn or share/record the stories of your loved one?</a:t>
-                      </a:r>
+                        <a:t>3.{Would </a:t>
+                      </a:r>
+                      <a:r>
+                        <a:rPr lang="en-AU" sz="1900" baseline="0" dirty="0" smtClean="0">
+                          <a:latin typeface="Museo Sans 700" panose="02000000000000000000" pitchFamily="50" charset="0"/>
+                        </a:rPr>
+                        <a:t>you like to share his/her story with your friends or closed ones and why?</a:t>
+                      </a:r>
+                    </a:p>
+                    <a:p>
+                      <a:r>
+                        <a:rPr lang="en-AU" sz="1900" baseline="0" dirty="0" smtClean="0">
+                          <a:latin typeface="Museo Sans 700" panose="02000000000000000000" pitchFamily="50" charset="0"/>
+                        </a:rPr>
+                        <a:t>How would you like to share/record the stories</a:t>
+                      </a:r>
+                      <a:r>
+                        <a:rPr lang="en-AU" sz="1900" baseline="0" dirty="0" smtClean="0">
+                          <a:latin typeface="Museo Sans 700" panose="02000000000000000000" pitchFamily="50" charset="0"/>
+                        </a:rPr>
+                        <a:t>?</a:t>
+                      </a:r>
+                    </a:p>
+                    <a:p>
+                      <a:r>
+                        <a:rPr lang="en-AU" sz="1900" baseline="0" dirty="0" smtClean="0">
+                          <a:latin typeface="Museo Sans 700" panose="02000000000000000000" pitchFamily="50" charset="0"/>
+                        </a:rPr>
+                        <a:t>Would you like to share his/her story to the public so that his/her valuable experiences will have a chance to be well-known?}</a:t>
+                      </a:r>
+                      <a:endParaRPr lang="en-AU" sz="1900" baseline="0" dirty="0" smtClean="0">
+                        <a:latin typeface="Museo Sans 700" panose="02000000000000000000" pitchFamily="50" charset="0"/>
+                      </a:endParaRPr>
+                    </a:p>
+                    <a:p>
+                      <a:endParaRPr lang="en-AU" sz="1900" baseline="0" dirty="0" smtClean="0">
+                        <a:latin typeface="Museo Sans 700" panose="02000000000000000000" pitchFamily="50" charset="0"/>
+                      </a:endParaRPr>
+                    </a:p>
+                    <a:p>
+                      <a:r>
+                        <a:rPr lang="en-AU" sz="1900" baseline="0" dirty="0" smtClean="0">
+                          <a:latin typeface="Museo Sans 700" panose="02000000000000000000" pitchFamily="50" charset="0"/>
+                        </a:rPr>
+                        <a:t>4.{How </a:t>
+                      </a:r>
+                      <a:r>
+                        <a:rPr lang="en-AU" sz="1900" baseline="0" dirty="0" smtClean="0">
+                          <a:latin typeface="Museo Sans 700" panose="02000000000000000000" pitchFamily="50" charset="0"/>
+                        </a:rPr>
+                        <a:t>would you like to mourn </a:t>
+                      </a:r>
+                      <a:r>
+                        <a:rPr lang="en-AU" sz="1900" baseline="0" dirty="0" smtClean="0">
+                          <a:latin typeface="Museo Sans 700" panose="02000000000000000000" pitchFamily="50" charset="0"/>
+                        </a:rPr>
+                        <a:t>him/her?</a:t>
+                      </a:r>
+                      <a:endParaRPr lang="en-AU" sz="1900" baseline="0" dirty="0" smtClean="0">
+                        <a:latin typeface="Museo Sans 700" panose="02000000000000000000" pitchFamily="50" charset="0"/>
+                      </a:endParaRPr>
+                    </a:p>
+                    <a:p>
+                      <a:r>
+                        <a:rPr lang="en-AU" sz="1900" baseline="0" dirty="0" smtClean="0">
+                          <a:latin typeface="Museo Sans 700" panose="02000000000000000000" pitchFamily="50" charset="0"/>
+                        </a:rPr>
+                        <a:t>What do you think is the best way to mourn </a:t>
+                      </a:r>
+                      <a:r>
+                        <a:rPr lang="en-AU" sz="1900" baseline="0" dirty="0" smtClean="0">
+                          <a:latin typeface="Museo Sans 700" panose="02000000000000000000" pitchFamily="50" charset="0"/>
+                        </a:rPr>
+                        <a:t>him/her?}</a:t>
+                      </a:r>
+                      <a:endParaRPr lang="en-AU" sz="1900" baseline="0" dirty="0" smtClean="0">
+                        <a:latin typeface="Museo Sans 700" panose="02000000000000000000" pitchFamily="50" charset="0"/>
+                      </a:endParaRPr>
+                    </a:p>
+                    <a:p>
+                      <a:endParaRPr lang="en-AU" sz="1900" baseline="0" dirty="0" smtClean="0">
+                        <a:latin typeface="Museo Sans 700" panose="02000000000000000000" pitchFamily="50" charset="0"/>
+                      </a:endParaRPr>
+                    </a:p>
+                    <a:p>
+                      <a:pPr marL="0" marR="0" lvl="0" indent="0" algn="l" defTabSz="1280160" rtl="0" eaLnBrk="1" fontAlgn="auto" latinLnBrk="0" hangingPunct="1">
+                        <a:lnSpc>
+                          <a:spcPct val="100000"/>
+                        </a:lnSpc>
+                        <a:spcBef>
+                          <a:spcPts val="0"/>
+                        </a:spcBef>
+                        <a:spcAft>
+                          <a:spcPts val="0"/>
+                        </a:spcAft>
+                        <a:buClrTx/>
+                        <a:buSzTx/>
+                        <a:buFontTx/>
+                        <a:buNone/>
+                        <a:tabLst/>
+                        <a:defRPr/>
+                      </a:pPr>
+                      <a:r>
+                        <a:rPr lang="en-AU" sz="1900" baseline="0" dirty="0" smtClean="0">
+                          <a:latin typeface="Museo Sans 700" panose="02000000000000000000" pitchFamily="50" charset="0"/>
+                        </a:rPr>
+                        <a:t>5.{What functions do you expect or suggest if there is a such website?}</a:t>
+                      </a:r>
+                    </a:p>
+                    <a:p>
+                      <a:endParaRPr lang="en-AU" sz="1900" baseline="0" dirty="0" smtClean="0">
+                        <a:latin typeface="Museo Sans 700" panose="02000000000000000000" pitchFamily="50" charset="0"/>
+                      </a:endParaRPr>
+                    </a:p>
+                    <a:p>
+                      <a:pPr marL="0" marR="0" lvl="0" indent="0" algn="l" defTabSz="1280160" rtl="0" eaLnBrk="1" fontAlgn="auto" latinLnBrk="0" hangingPunct="1">
+                        <a:lnSpc>
+                          <a:spcPct val="100000"/>
+                        </a:lnSpc>
+                        <a:spcBef>
+                          <a:spcPts val="0"/>
+                        </a:spcBef>
+                        <a:spcAft>
+                          <a:spcPts val="0"/>
+                        </a:spcAft>
+                        <a:buClrTx/>
+                        <a:buSzTx/>
+                        <a:buFontTx/>
+                        <a:buNone/>
+                        <a:tabLst/>
+                        <a:defRPr/>
+                      </a:pPr>
+                      <a:r>
+                        <a:rPr lang="en-AU" altLang="zh-CN" sz="1900" baseline="0" dirty="0" smtClean="0">
+                          <a:latin typeface="Museo Sans 700" panose="02000000000000000000" pitchFamily="50" charset="0"/>
+                        </a:rPr>
+                        <a:t>6.{</a:t>
+                      </a:r>
+                      <a:r>
+                        <a:rPr lang="en-AU" sz="1900" baseline="0" dirty="0" smtClean="0">
+                          <a:latin typeface="Museo Sans 700" panose="02000000000000000000" pitchFamily="50" charset="0"/>
+                        </a:rPr>
+                        <a:t>What do you think about a website where you can mourn or share/record the stories of your loved one? </a:t>
+                      </a:r>
+                    </a:p>
+                    <a:p>
+                      <a:pPr marL="0" marR="0" lvl="0" indent="0" algn="l" defTabSz="1280160" rtl="0" eaLnBrk="1" fontAlgn="auto" latinLnBrk="0" hangingPunct="1">
+                        <a:lnSpc>
+                          <a:spcPct val="100000"/>
+                        </a:lnSpc>
+                        <a:spcBef>
+                          <a:spcPts val="0"/>
+                        </a:spcBef>
+                        <a:spcAft>
+                          <a:spcPts val="0"/>
+                        </a:spcAft>
+                        <a:buClrTx/>
+                        <a:buSzTx/>
+                        <a:buFontTx/>
+                        <a:buNone/>
+                        <a:tabLst/>
+                        <a:defRPr/>
+                      </a:pPr>
+                      <a:r>
+                        <a:rPr lang="en-AU" altLang="zh-CN" sz="1900" baseline="0" dirty="0" smtClean="0">
+                          <a:latin typeface="Museo Sans 700" panose="02000000000000000000" pitchFamily="50" charset="0"/>
+                        </a:rPr>
+                        <a:t>Do you think mourn someone online is disrespectful and very informal and why?}</a:t>
+                      </a:r>
+                      <a:endParaRPr lang="en-AU" sz="1900" baseline="0" dirty="0" smtClean="0">
+                        <a:latin typeface="Museo Sans 700" panose="02000000000000000000" pitchFamily="50" charset="0"/>
+                      </a:endParaRPr>
                     </a:p>
                   </a:txBody>
                   <a:tcPr marL="96012" marR="96012" marT="48006" marB="48006"/>
@@ -4367,65 +4525,176 @@
                     <a:lstStyle/>
                     <a:p>
                       <a:r>
-                        <a:rPr lang="en-AU" sz="1900" dirty="0">
+                        <a:rPr lang="en-AU" sz="1900" dirty="0" smtClean="0">
                           <a:latin typeface="Museo Sans 700" panose="02000000000000000000" pitchFamily="50" charset="0"/>
                         </a:rPr>
-                        <a:t>To see if our interviewee</a:t>
-                      </a:r>
-                      <a:r>
-                        <a:rPr lang="en-AU" sz="1900" baseline="0" dirty="0">
+                        <a:t>1.{To </a:t>
+                      </a:r>
+                      <a:r>
+                        <a:rPr lang="en-AU" sz="1900" dirty="0" smtClean="0">
                           <a:latin typeface="Museo Sans 700" panose="02000000000000000000" pitchFamily="50" charset="0"/>
                         </a:rPr>
-                        <a:t> or any general one’s interest in others story. So we can anticipate wether our website will be good because of  the story sharing.</a:t>
-                      </a:r>
-                    </a:p>
-                    <a:p>
-                      <a:endParaRPr lang="en-AU" sz="1900" baseline="0" dirty="0">
+                        <a:t>see if our interviewee</a:t>
+                      </a:r>
+                      <a:r>
+                        <a:rPr lang="en-AU" sz="1900" baseline="0" dirty="0" smtClean="0">
+                          <a:latin typeface="Museo Sans 700" panose="02000000000000000000" pitchFamily="50" charset="0"/>
+                        </a:rPr>
+                        <a:t> or any general one’s interest in others story. So we can anticipate wether our website will be good because </a:t>
+                      </a:r>
+                      <a:r>
+                        <a:rPr lang="en-AU" sz="1900" baseline="0" dirty="0" smtClean="0">
+                          <a:latin typeface="Museo Sans 700" panose="02000000000000000000" pitchFamily="50" charset="0"/>
+                        </a:rPr>
+                        <a:t>of </a:t>
+                      </a:r>
+                      <a:r>
+                        <a:rPr lang="en-AU" sz="1900" baseline="0" dirty="0" smtClean="0">
+                          <a:latin typeface="Museo Sans 700" panose="02000000000000000000" pitchFamily="50" charset="0"/>
+                        </a:rPr>
+                        <a:t>the story </a:t>
+                      </a:r>
+                      <a:r>
+                        <a:rPr lang="en-AU" sz="1900" baseline="0" dirty="0" smtClean="0">
+                          <a:latin typeface="Museo Sans 700" panose="02000000000000000000" pitchFamily="50" charset="0"/>
+                        </a:rPr>
+                        <a:t>sharing function.}</a:t>
+                      </a:r>
+                      <a:endParaRPr lang="en-AU" sz="1900" baseline="0" dirty="0" smtClean="0">
                         <a:latin typeface="Museo Sans 700" panose="02000000000000000000" pitchFamily="50" charset="0"/>
                       </a:endParaRPr>
                     </a:p>
                     <a:p>
-                      <a:r>
-                        <a:rPr lang="en-AU" sz="1900" baseline="0" dirty="0">
-                          <a:latin typeface="Museo Sans 700" panose="02000000000000000000" pitchFamily="50" charset="0"/>
-                        </a:rPr>
-                        <a:t>As one of our website’s main function. We want to know how our interviewee suggests to sharing and recording stories of their loved ones.</a:t>
-                      </a:r>
-                    </a:p>
-                    <a:p>
-                      <a:endParaRPr lang="en-AU" sz="1900" dirty="0">
+                      <a:endParaRPr lang="en-AU" sz="1900" baseline="0" dirty="0" smtClean="0">
                         <a:latin typeface="Museo Sans 700" panose="02000000000000000000" pitchFamily="50" charset="0"/>
                       </a:endParaRPr>
                     </a:p>
                     <a:p>
                       <a:r>
-                        <a:rPr lang="en-AU" sz="1900" dirty="0">
+                        <a:rPr lang="en-AU" sz="1900" baseline="0" smtClean="0">
                           <a:latin typeface="Museo Sans 700" panose="02000000000000000000" pitchFamily="50" charset="0"/>
                         </a:rPr>
-                        <a:t>As another</a:t>
-                      </a:r>
-                      <a:r>
-                        <a:rPr lang="en-AU" sz="1900" baseline="0" dirty="0">
+                        <a:t>2.{</a:t>
+                      </a:r>
+                      <a:r>
+                        <a:rPr lang="en-AU" sz="1900" baseline="0" dirty="0" smtClean="0">
                           <a:latin typeface="Museo Sans 700" panose="02000000000000000000" pitchFamily="50" charset="0"/>
                         </a:rPr>
-                        <a:t> main function of our website. We would like to know what our interviewee think about the best way to mourn their loved one.</a:t>
-                      </a:r>
-                    </a:p>
-                    <a:p>
-                      <a:endParaRPr lang="en-AU" sz="1900" baseline="0" dirty="0">
+                        <a:t>We can ask our interviewee about the reason why people get ill after their loved one passed away and thus we can have a better idea how to encourage those depressed people to get better in the website.}</a:t>
+                      </a:r>
+                    </a:p>
+                    <a:p>
+                      <a:endParaRPr lang="en-AU" sz="1900" baseline="0" dirty="0" smtClean="0">
                         <a:latin typeface="Museo Sans 700" panose="02000000000000000000" pitchFamily="50" charset="0"/>
                       </a:endParaRPr>
                     </a:p>
                     <a:p>
                       <a:r>
-                        <a:rPr lang="en-AU" sz="1900" baseline="0" dirty="0">
+                        <a:rPr lang="en-AU" sz="1900" baseline="0" dirty="0" smtClean="0">
                           <a:latin typeface="Museo Sans 700" panose="02000000000000000000" pitchFamily="50" charset="0"/>
                         </a:rPr>
-                        <a:t>We start to see if our interviewee think its ok to mourn online then ask how our interviewee feels about our website idea.</a:t>
-                      </a:r>
-                      <a:endParaRPr lang="en-AU" sz="1900" dirty="0">
+                        <a:t>3.{As </a:t>
+                      </a:r>
+                      <a:r>
+                        <a:rPr lang="en-AU" sz="1900" baseline="0" dirty="0" smtClean="0">
+                          <a:latin typeface="Museo Sans 700" panose="02000000000000000000" pitchFamily="50" charset="0"/>
+                        </a:rPr>
+                        <a:t>one of our website’s main function. We want to know how our interviewee suggests to sharing and recording stories of their loved ones</a:t>
+                      </a:r>
+                      <a:r>
+                        <a:rPr lang="en-AU" sz="1900" baseline="0" dirty="0" smtClean="0">
+                          <a:latin typeface="Museo Sans 700" panose="02000000000000000000" pitchFamily="50" charset="0"/>
+                        </a:rPr>
+                        <a:t>. We also want to know that if our interviewee prefer to share the stories to the public or just in group.}</a:t>
+                      </a:r>
+                      <a:endParaRPr lang="en-AU" sz="1900" baseline="0" dirty="0" smtClean="0">
                         <a:latin typeface="Museo Sans 700" panose="02000000000000000000" pitchFamily="50" charset="0"/>
                       </a:endParaRPr>
+                    </a:p>
+                    <a:p>
+                      <a:endParaRPr lang="en-AU" sz="1900" dirty="0" smtClean="0">
+                        <a:latin typeface="Museo Sans 700" panose="02000000000000000000" pitchFamily="50" charset="0"/>
+                      </a:endParaRPr>
+                    </a:p>
+                    <a:p>
+                      <a:r>
+                        <a:rPr lang="en-AU" sz="1900" dirty="0" smtClean="0">
+                          <a:latin typeface="Museo Sans 700" panose="02000000000000000000" pitchFamily="50" charset="0"/>
+                        </a:rPr>
+                        <a:t>4.{As </a:t>
+                      </a:r>
+                      <a:r>
+                        <a:rPr lang="en-AU" sz="1900" dirty="0" smtClean="0">
+                          <a:latin typeface="Museo Sans 700" panose="02000000000000000000" pitchFamily="50" charset="0"/>
+                        </a:rPr>
+                        <a:t>another</a:t>
+                      </a:r>
+                      <a:r>
+                        <a:rPr lang="en-AU" sz="1900" baseline="0" dirty="0" smtClean="0">
+                          <a:latin typeface="Museo Sans 700" panose="02000000000000000000" pitchFamily="50" charset="0"/>
+                        </a:rPr>
+                        <a:t> main function of our website. We would like to know what our interviewee think about the best way to mourn their loved </a:t>
+                      </a:r>
+                      <a:r>
+                        <a:rPr lang="en-AU" sz="1900" baseline="0" dirty="0" smtClean="0">
+                          <a:latin typeface="Museo Sans 700" panose="02000000000000000000" pitchFamily="50" charset="0"/>
+                        </a:rPr>
+                        <a:t>one so we will have a better idea to build the mourn system.}</a:t>
+                      </a:r>
+                      <a:endParaRPr lang="en-AU" sz="1900" baseline="0" dirty="0" smtClean="0">
+                        <a:latin typeface="Museo Sans 700" panose="02000000000000000000" pitchFamily="50" charset="0"/>
+                      </a:endParaRPr>
+                    </a:p>
+                    <a:p>
+                      <a:endParaRPr lang="en-AU" sz="1900" baseline="0" dirty="0" smtClean="0">
+                        <a:latin typeface="Museo Sans 700" panose="02000000000000000000" pitchFamily="50" charset="0"/>
+                      </a:endParaRPr>
+                    </a:p>
+                    <a:p>
+                      <a:r>
+                        <a:rPr lang="en-AU" sz="1900" baseline="0" dirty="0" smtClean="0">
+                          <a:latin typeface="Museo Sans 700" panose="02000000000000000000" pitchFamily="50" charset="0"/>
+                        </a:rPr>
+                        <a:t>5.{To dig deeper about our interviewee’s thoughts related to the functionality of the website. To identify what our stakeholder expects.}</a:t>
+                      </a:r>
+                    </a:p>
+                    <a:p>
+                      <a:endParaRPr lang="en-AU" sz="1900" baseline="0" dirty="0" smtClean="0">
+                        <a:latin typeface="Museo Sans 700" panose="02000000000000000000" pitchFamily="50" charset="0"/>
+                      </a:endParaRPr>
+                    </a:p>
+                    <a:p>
+                      <a:pPr marL="0" marR="0" lvl="0" indent="0" algn="l" defTabSz="1280160" rtl="0" eaLnBrk="1" fontAlgn="auto" latinLnBrk="0" hangingPunct="1">
+                        <a:lnSpc>
+                          <a:spcPct val="100000"/>
+                        </a:lnSpc>
+                        <a:spcBef>
+                          <a:spcPts val="0"/>
+                        </a:spcBef>
+                        <a:spcAft>
+                          <a:spcPts val="0"/>
+                        </a:spcAft>
+                        <a:buClrTx/>
+                        <a:buSzTx/>
+                        <a:buFontTx/>
+                        <a:buNone/>
+                        <a:tabLst/>
+                        <a:defRPr/>
+                      </a:pPr>
+                      <a:r>
+                        <a:rPr lang="en-AU" sz="1900" baseline="0" dirty="0" smtClean="0">
+                          <a:latin typeface="Museo Sans 700" panose="02000000000000000000" pitchFamily="50" charset="0"/>
+                        </a:rPr>
+                        <a:t>6.{We start to see if our interviewee think its ok to mourn online then ask how our interviewee feels about our website idea. Then</a:t>
+                      </a:r>
+                    </a:p>
+                    <a:p>
+                      <a:r>
+                        <a:rPr lang="en-AU" sz="1900" baseline="0" dirty="0" smtClean="0">
+                          <a:latin typeface="Museo Sans 700" panose="02000000000000000000" pitchFamily="50" charset="0"/>
+                        </a:rPr>
+                        <a:t>to explore our idea is actually accepted by the stakeholders and if not, in which aspects we need to improve ourselves.}</a:t>
+                      </a:r>
                     </a:p>
                   </a:txBody>
                   <a:tcPr marL="96012" marR="96012" marT="48006" marB="48006"/>
